--- a/Chapter 2. Python for Data Scientists/Module 2. SQL/0. SQL Basics.pptx
+++ b/Chapter 2. Python for Data Scientists/Module 2. SQL/0. SQL Basics.pptx
@@ -132,6 +132,11 @@
       </a:defRPr>
     </a:lvl9pPr>
   </p:defaultTextStyle>
+  <p:extLst>
+    <p:ext uri="{EFAFB233-063F-42B5-8137-9DF3F51BA10A}">
+      <p15:sldGuideLst xmlns:p15="http://schemas.microsoft.com/office/powerpoint/2012/main"/>
+    </p:ext>
+  </p:extLst>
 </p:presentation>
 </file>
 
@@ -217,7 +222,7 @@
           <a:p>
             <a:fld id="{80B64C77-9D78-44FE-9ADF-5B34B4EB5355}" type="datetimeFigureOut">
               <a:rPr lang="en-GB" smtClean="0"/>
-              <a:t>28/06/2020</a:t>
+              <a:t>01/07/2020</a:t>
             </a:fld>
             <a:endParaRPr lang="en-GB"/>
           </a:p>
@@ -897,7 +902,7 @@
           <a:p>
             <a:fld id="{2BD79546-4292-419A-B57D-BBC62FF6679C}" type="datetimeFigureOut">
               <a:rPr lang="en-GB" smtClean="0"/>
-              <a:t>28/06/2020</a:t>
+              <a:t>01/07/2020</a:t>
             </a:fld>
             <a:endParaRPr lang="en-GB"/>
           </a:p>
@@ -1097,7 +1102,7 @@
           <a:p>
             <a:fld id="{2BD79546-4292-419A-B57D-BBC62FF6679C}" type="datetimeFigureOut">
               <a:rPr lang="en-GB" smtClean="0"/>
-              <a:t>28/06/2020</a:t>
+              <a:t>01/07/2020</a:t>
             </a:fld>
             <a:endParaRPr lang="en-GB"/>
           </a:p>
@@ -1307,7 +1312,7 @@
           <a:p>
             <a:fld id="{2BD79546-4292-419A-B57D-BBC62FF6679C}" type="datetimeFigureOut">
               <a:rPr lang="en-GB" smtClean="0"/>
-              <a:t>28/06/2020</a:t>
+              <a:t>01/07/2020</a:t>
             </a:fld>
             <a:endParaRPr lang="en-GB"/>
           </a:p>
@@ -1507,7 +1512,7 @@
           <a:p>
             <a:fld id="{2BD79546-4292-419A-B57D-BBC62FF6679C}" type="datetimeFigureOut">
               <a:rPr lang="en-GB" smtClean="0"/>
-              <a:t>28/06/2020</a:t>
+              <a:t>01/07/2020</a:t>
             </a:fld>
             <a:endParaRPr lang="en-GB"/>
           </a:p>
@@ -1783,7 +1788,7 @@
           <a:p>
             <a:fld id="{2BD79546-4292-419A-B57D-BBC62FF6679C}" type="datetimeFigureOut">
               <a:rPr lang="en-GB" smtClean="0"/>
-              <a:t>28/06/2020</a:t>
+              <a:t>01/07/2020</a:t>
             </a:fld>
             <a:endParaRPr lang="en-GB"/>
           </a:p>
@@ -2051,7 +2056,7 @@
           <a:p>
             <a:fld id="{2BD79546-4292-419A-B57D-BBC62FF6679C}" type="datetimeFigureOut">
               <a:rPr lang="en-GB" smtClean="0"/>
-              <a:t>28/06/2020</a:t>
+              <a:t>01/07/2020</a:t>
             </a:fld>
             <a:endParaRPr lang="en-GB"/>
           </a:p>
@@ -2466,7 +2471,7 @@
           <a:p>
             <a:fld id="{2BD79546-4292-419A-B57D-BBC62FF6679C}" type="datetimeFigureOut">
               <a:rPr lang="en-GB" smtClean="0"/>
-              <a:t>28/06/2020</a:t>
+              <a:t>01/07/2020</a:t>
             </a:fld>
             <a:endParaRPr lang="en-GB"/>
           </a:p>
@@ -2608,7 +2613,7 @@
           <a:p>
             <a:fld id="{2BD79546-4292-419A-B57D-BBC62FF6679C}" type="datetimeFigureOut">
               <a:rPr lang="en-GB" smtClean="0"/>
-              <a:t>28/06/2020</a:t>
+              <a:t>01/07/2020</a:t>
             </a:fld>
             <a:endParaRPr lang="en-GB"/>
           </a:p>
@@ -2721,7 +2726,7 @@
           <a:p>
             <a:fld id="{2BD79546-4292-419A-B57D-BBC62FF6679C}" type="datetimeFigureOut">
               <a:rPr lang="en-GB" smtClean="0"/>
-              <a:t>28/06/2020</a:t>
+              <a:t>01/07/2020</a:t>
             </a:fld>
             <a:endParaRPr lang="en-GB"/>
           </a:p>
@@ -3034,7 +3039,7 @@
           <a:p>
             <a:fld id="{2BD79546-4292-419A-B57D-BBC62FF6679C}" type="datetimeFigureOut">
               <a:rPr lang="en-GB" smtClean="0"/>
-              <a:t>28/06/2020</a:t>
+              <a:t>01/07/2020</a:t>
             </a:fld>
             <a:endParaRPr lang="en-GB"/>
           </a:p>
@@ -3323,7 +3328,7 @@
           <a:p>
             <a:fld id="{2BD79546-4292-419A-B57D-BBC62FF6679C}" type="datetimeFigureOut">
               <a:rPr lang="en-GB" smtClean="0"/>
-              <a:t>28/06/2020</a:t>
+              <a:t>01/07/2020</a:t>
             </a:fld>
             <a:endParaRPr lang="en-GB"/>
           </a:p>
@@ -3566,7 +3571,7 @@
           <a:p>
             <a:fld id="{2BD79546-4292-419A-B57D-BBC62FF6679C}" type="datetimeFigureOut">
               <a:rPr lang="en-GB" smtClean="0"/>
-              <a:t>28/06/2020</a:t>
+              <a:t>01/07/2020</a:t>
             </a:fld>
             <a:endParaRPr lang="en-GB"/>
           </a:p>

--- a/Chapter 2. Python for Data Scientists/Module 2. SQL/0. SQL Basics.pptx
+++ b/Chapter 2. Python for Data Scientists/Module 2. SQL/0. SQL Basics.pptx
@@ -222,7 +222,7 @@
           <a:p>
             <a:fld id="{80B64C77-9D78-44FE-9ADF-5B34B4EB5355}" type="datetimeFigureOut">
               <a:rPr lang="en-GB" smtClean="0"/>
-              <a:t>01/07/2020</a:t>
+              <a:t>12/07/2020</a:t>
             </a:fld>
             <a:endParaRPr lang="en-GB"/>
           </a:p>
@@ -902,7 +902,7 @@
           <a:p>
             <a:fld id="{2BD79546-4292-419A-B57D-BBC62FF6679C}" type="datetimeFigureOut">
               <a:rPr lang="en-GB" smtClean="0"/>
-              <a:t>01/07/2020</a:t>
+              <a:t>12/07/2020</a:t>
             </a:fld>
             <a:endParaRPr lang="en-GB"/>
           </a:p>
@@ -1102,7 +1102,7 @@
           <a:p>
             <a:fld id="{2BD79546-4292-419A-B57D-BBC62FF6679C}" type="datetimeFigureOut">
               <a:rPr lang="en-GB" smtClean="0"/>
-              <a:t>01/07/2020</a:t>
+              <a:t>12/07/2020</a:t>
             </a:fld>
             <a:endParaRPr lang="en-GB"/>
           </a:p>
@@ -1312,7 +1312,7 @@
           <a:p>
             <a:fld id="{2BD79546-4292-419A-B57D-BBC62FF6679C}" type="datetimeFigureOut">
               <a:rPr lang="en-GB" smtClean="0"/>
-              <a:t>01/07/2020</a:t>
+              <a:t>12/07/2020</a:t>
             </a:fld>
             <a:endParaRPr lang="en-GB"/>
           </a:p>
@@ -1512,7 +1512,7 @@
           <a:p>
             <a:fld id="{2BD79546-4292-419A-B57D-BBC62FF6679C}" type="datetimeFigureOut">
               <a:rPr lang="en-GB" smtClean="0"/>
-              <a:t>01/07/2020</a:t>
+              <a:t>12/07/2020</a:t>
             </a:fld>
             <a:endParaRPr lang="en-GB"/>
           </a:p>
@@ -1788,7 +1788,7 @@
           <a:p>
             <a:fld id="{2BD79546-4292-419A-B57D-BBC62FF6679C}" type="datetimeFigureOut">
               <a:rPr lang="en-GB" smtClean="0"/>
-              <a:t>01/07/2020</a:t>
+              <a:t>12/07/2020</a:t>
             </a:fld>
             <a:endParaRPr lang="en-GB"/>
           </a:p>
@@ -2056,7 +2056,7 @@
           <a:p>
             <a:fld id="{2BD79546-4292-419A-B57D-BBC62FF6679C}" type="datetimeFigureOut">
               <a:rPr lang="en-GB" smtClean="0"/>
-              <a:t>01/07/2020</a:t>
+              <a:t>12/07/2020</a:t>
             </a:fld>
             <a:endParaRPr lang="en-GB"/>
           </a:p>
@@ -2471,7 +2471,7 @@
           <a:p>
             <a:fld id="{2BD79546-4292-419A-B57D-BBC62FF6679C}" type="datetimeFigureOut">
               <a:rPr lang="en-GB" smtClean="0"/>
-              <a:t>01/07/2020</a:t>
+              <a:t>12/07/2020</a:t>
             </a:fld>
             <a:endParaRPr lang="en-GB"/>
           </a:p>
@@ -2613,7 +2613,7 @@
           <a:p>
             <a:fld id="{2BD79546-4292-419A-B57D-BBC62FF6679C}" type="datetimeFigureOut">
               <a:rPr lang="en-GB" smtClean="0"/>
-              <a:t>01/07/2020</a:t>
+              <a:t>12/07/2020</a:t>
             </a:fld>
             <a:endParaRPr lang="en-GB"/>
           </a:p>
@@ -2726,7 +2726,7 @@
           <a:p>
             <a:fld id="{2BD79546-4292-419A-B57D-BBC62FF6679C}" type="datetimeFigureOut">
               <a:rPr lang="en-GB" smtClean="0"/>
-              <a:t>01/07/2020</a:t>
+              <a:t>12/07/2020</a:t>
             </a:fld>
             <a:endParaRPr lang="en-GB"/>
           </a:p>
@@ -3039,7 +3039,7 @@
           <a:p>
             <a:fld id="{2BD79546-4292-419A-B57D-BBC62FF6679C}" type="datetimeFigureOut">
               <a:rPr lang="en-GB" smtClean="0"/>
-              <a:t>01/07/2020</a:t>
+              <a:t>12/07/2020</a:t>
             </a:fld>
             <a:endParaRPr lang="en-GB"/>
           </a:p>
@@ -3328,7 +3328,7 @@
           <a:p>
             <a:fld id="{2BD79546-4292-419A-B57D-BBC62FF6679C}" type="datetimeFigureOut">
               <a:rPr lang="en-GB" smtClean="0"/>
-              <a:t>01/07/2020</a:t>
+              <a:t>12/07/2020</a:t>
             </a:fld>
             <a:endParaRPr lang="en-GB"/>
           </a:p>
@@ -3571,7 +3571,7 @@
           <a:p>
             <a:fld id="{2BD79546-4292-419A-B57D-BBC62FF6679C}" type="datetimeFigureOut">
               <a:rPr lang="en-GB" smtClean="0"/>
-              <a:t>01/07/2020</a:t>
+              <a:t>12/07/2020</a:t>
             </a:fld>
             <a:endParaRPr lang="en-GB"/>
           </a:p>
@@ -6678,6 +6678,8 @@
                 <a:highlight>
                   <a:srgbClr val="00FFFF"/>
                 </a:highlight>
+                <a:latin typeface="Courier New" panose="02070309020205020404" pitchFamily="49" charset="0"/>
+                <a:cs typeface="Courier New" panose="02070309020205020404" pitchFamily="49" charset="0"/>
               </a:rPr>
               <a:t>LIKE</a:t>
             </a:r>
@@ -6696,16 +6698,35 @@
             <a:pPr lvl="1"/>
             <a:r>
               <a:rPr lang="en-GB" dirty="0"/>
-              <a:t>Wildcard operator in SQL is </a:t>
-            </a:r>
-            <a:r>
-              <a:rPr lang="en-GB" dirty="0">
-                <a:highlight>
-                  <a:srgbClr val="00FFFF"/>
-                </a:highlight>
+              <a:t>One wildcard character in SQL is </a:t>
+            </a:r>
+            <a:r>
+              <a:rPr lang="en-GB" dirty="0">
+                <a:highlight>
+                  <a:srgbClr val="00FFFF"/>
+                </a:highlight>
+                <a:latin typeface="Courier New" panose="02070309020205020404" pitchFamily="49" charset="0"/>
+                <a:cs typeface="Courier New" panose="02070309020205020404" pitchFamily="49" charset="0"/>
               </a:rPr>
               <a:t>%</a:t>
             </a:r>
+            <a:endParaRPr lang="en-GB" dirty="0">
+              <a:latin typeface="Courier New" panose="02070309020205020404" pitchFamily="49" charset="0"/>
+              <a:cs typeface="Courier New" panose="02070309020205020404" pitchFamily="49" charset="0"/>
+            </a:endParaRPr>
+          </a:p>
+          <a:p>
+            <a:pPr lvl="2"/>
+            <a:r>
+              <a:rPr lang="en-GB" dirty="0">
+                <a:hlinkClick r:id="rId2"/>
+              </a:rPr>
+              <a:t>Represents zero or more characters</a:t>
+            </a:r>
+            <a:endParaRPr lang="en-GB" dirty="0">
+              <a:latin typeface="Courier New" panose="02070309020205020404" pitchFamily="49" charset="0"/>
+              <a:cs typeface="Courier New" panose="02070309020205020404" pitchFamily="49" charset="0"/>
+            </a:endParaRPr>
           </a:p>
           <a:p>
             <a:pPr lvl="1"/>
@@ -6731,6 +6752,8 @@
                 <a:highlight>
                   <a:srgbClr val="00FFFF"/>
                 </a:highlight>
+                <a:latin typeface="Courier New" panose="02070309020205020404" pitchFamily="49" charset="0"/>
+                <a:cs typeface="Courier New" panose="02070309020205020404" pitchFamily="49" charset="0"/>
               </a:rPr>
               <a:t>SELECT *</a:t>
             </a:r>
@@ -6739,6 +6762,8 @@
                 <a:highlight>
                   <a:srgbClr val="00FFFF"/>
                 </a:highlight>
+                <a:latin typeface="Courier New" panose="02070309020205020404" pitchFamily="49" charset="0"/>
+                <a:cs typeface="Courier New" panose="02070309020205020404" pitchFamily="49" charset="0"/>
               </a:rPr>
             </a:br>
             <a:r>
@@ -6746,6 +6771,8 @@
                 <a:highlight>
                   <a:srgbClr val="00FFFF"/>
                 </a:highlight>
+                <a:latin typeface="Courier New" panose="02070309020205020404" pitchFamily="49" charset="0"/>
+                <a:cs typeface="Courier New" panose="02070309020205020404" pitchFamily="49" charset="0"/>
               </a:rPr>
               <a:t>FROM film</a:t>
             </a:r>
@@ -6754,6 +6781,8 @@
                 <a:highlight>
                   <a:srgbClr val="00FFFF"/>
                 </a:highlight>
+                <a:latin typeface="Courier New" panose="02070309020205020404" pitchFamily="49" charset="0"/>
+                <a:cs typeface="Courier New" panose="02070309020205020404" pitchFamily="49" charset="0"/>
               </a:rPr>
             </a:br>
             <a:r>
@@ -6761,6 +6790,8 @@
                 <a:highlight>
                   <a:srgbClr val="00FFFF"/>
                 </a:highlight>
+                <a:latin typeface="Courier New" panose="02070309020205020404" pitchFamily="49" charset="0"/>
+                <a:cs typeface="Courier New" panose="02070309020205020404" pitchFamily="49" charset="0"/>
               </a:rPr>
               <a:t>WHERE description LIKE '%Drama%'</a:t>
             </a:r>
@@ -6853,6 +6884,8 @@
                 <a:highlight>
                   <a:srgbClr val="00FFFF"/>
                 </a:highlight>
+                <a:latin typeface="Courier New" panose="02070309020205020404" pitchFamily="49" charset="0"/>
+                <a:cs typeface="Courier New" panose="02070309020205020404" pitchFamily="49" charset="0"/>
               </a:rPr>
               <a:t>IN</a:t>
             </a:r>
@@ -6864,7 +6897,21 @@
           <a:p>
             <a:r>
               <a:rPr lang="en-GB" dirty="0"/>
-              <a:t>Essentially allows us to use an =, but over more than one condition</a:t>
+              <a:t>Essentially allows us to use an </a:t>
+            </a:r>
+            <a:r>
+              <a:rPr lang="en-GB" dirty="0">
+                <a:highlight>
+                  <a:srgbClr val="00FFFF"/>
+                </a:highlight>
+                <a:latin typeface="Courier New" panose="02070309020205020404" pitchFamily="49" charset="0"/>
+                <a:cs typeface="Courier New" panose="02070309020205020404" pitchFamily="49" charset="0"/>
+              </a:rPr>
+              <a:t>=</a:t>
+            </a:r>
+            <a:r>
+              <a:rPr lang="en-GB" dirty="0"/>
+              <a:t>, but over more than one condition</a:t>
             </a:r>
           </a:p>
           <a:p>
@@ -6876,6 +6923,8 @@
                 <a:highlight>
                   <a:srgbClr val="00FFFF"/>
                 </a:highlight>
+                <a:latin typeface="Courier New" panose="02070309020205020404" pitchFamily="49" charset="0"/>
+                <a:cs typeface="Courier New" panose="02070309020205020404" pitchFamily="49" charset="0"/>
               </a:rPr>
               <a:t>SELECT *</a:t>
             </a:r>
@@ -6884,6 +6933,8 @@
                 <a:highlight>
                   <a:srgbClr val="00FFFF"/>
                 </a:highlight>
+                <a:latin typeface="Courier New" panose="02070309020205020404" pitchFamily="49" charset="0"/>
+                <a:cs typeface="Courier New" panose="02070309020205020404" pitchFamily="49" charset="0"/>
               </a:rPr>
             </a:br>
             <a:r>
@@ -6891,6 +6942,8 @@
                 <a:highlight>
                   <a:srgbClr val="00FFFF"/>
                 </a:highlight>
+                <a:latin typeface="Courier New" panose="02070309020205020404" pitchFamily="49" charset="0"/>
+                <a:cs typeface="Courier New" panose="02070309020205020404" pitchFamily="49" charset="0"/>
               </a:rPr>
               <a:t>FROM language</a:t>
             </a:r>
@@ -6899,6 +6952,8 @@
                 <a:highlight>
                   <a:srgbClr val="00FFFF"/>
                 </a:highlight>
+                <a:latin typeface="Courier New" panose="02070309020205020404" pitchFamily="49" charset="0"/>
+                <a:cs typeface="Courier New" panose="02070309020205020404" pitchFamily="49" charset="0"/>
               </a:rPr>
             </a:br>
             <a:r>
@@ -6906,6 +6961,8 @@
                 <a:highlight>
                   <a:srgbClr val="00FFFF"/>
                 </a:highlight>
+                <a:latin typeface="Courier New" panose="02070309020205020404" pitchFamily="49" charset="0"/>
+                <a:cs typeface="Courier New" panose="02070309020205020404" pitchFamily="49" charset="0"/>
               </a:rPr>
               <a:t>WHERE name IN (‘English’, ‘Italian’)</a:t>
             </a:r>
@@ -6919,6 +6976,8 @@
                 <a:highlight>
                   <a:srgbClr val="00FFFF"/>
                 </a:highlight>
+                <a:latin typeface="Courier New" panose="02070309020205020404" pitchFamily="49" charset="0"/>
+                <a:cs typeface="Courier New" panose="02070309020205020404" pitchFamily="49" charset="0"/>
               </a:rPr>
               <a:t>SELECT *</a:t>
             </a:r>
@@ -6927,6 +6986,8 @@
                 <a:highlight>
                   <a:srgbClr val="00FFFF"/>
                 </a:highlight>
+                <a:latin typeface="Courier New" panose="02070309020205020404" pitchFamily="49" charset="0"/>
+                <a:cs typeface="Courier New" panose="02070309020205020404" pitchFamily="49" charset="0"/>
               </a:rPr>
             </a:br>
             <a:r>
@@ -6934,6 +6995,8 @@
                 <a:highlight>
                   <a:srgbClr val="00FFFF"/>
                 </a:highlight>
+                <a:latin typeface="Courier New" panose="02070309020205020404" pitchFamily="49" charset="0"/>
+                <a:cs typeface="Courier New" panose="02070309020205020404" pitchFamily="49" charset="0"/>
               </a:rPr>
               <a:t>FROM film</a:t>
             </a:r>
@@ -6942,6 +7005,8 @@
                 <a:highlight>
                   <a:srgbClr val="00FFFF"/>
                 </a:highlight>
+                <a:latin typeface="Courier New" panose="02070309020205020404" pitchFamily="49" charset="0"/>
+                <a:cs typeface="Courier New" panose="02070309020205020404" pitchFamily="49" charset="0"/>
               </a:rPr>
             </a:br>
             <a:r>
@@ -6949,6 +7014,8 @@
                 <a:highlight>
                   <a:srgbClr val="00FFFF"/>
                 </a:highlight>
+                <a:latin typeface="Courier New" panose="02070309020205020404" pitchFamily="49" charset="0"/>
+                <a:cs typeface="Courier New" panose="02070309020205020404" pitchFamily="49" charset="0"/>
               </a:rPr>
               <a:t>WHERE </a:t>
             </a:r>
@@ -6957,6 +7024,8 @@
                 <a:highlight>
                   <a:srgbClr val="00FFFF"/>
                 </a:highlight>
+                <a:latin typeface="Courier New" panose="02070309020205020404" pitchFamily="49" charset="0"/>
+                <a:cs typeface="Courier New" panose="02070309020205020404" pitchFamily="49" charset="0"/>
               </a:rPr>
               <a:t>language_id</a:t>
             </a:r>
@@ -6965,6 +7034,8 @@
                 <a:highlight>
                   <a:srgbClr val="00FFFF"/>
                 </a:highlight>
+                <a:latin typeface="Courier New" panose="02070309020205020404" pitchFamily="49" charset="0"/>
+                <a:cs typeface="Courier New" panose="02070309020205020404" pitchFamily="49" charset="0"/>
               </a:rPr>
               <a:t> IN (1, 2)</a:t>
             </a:r>
@@ -7055,6 +7126,8 @@
                 <a:highlight>
                   <a:srgbClr val="00FFFF"/>
                 </a:highlight>
+                <a:latin typeface="Courier New" panose="02070309020205020404" pitchFamily="49" charset="0"/>
+                <a:cs typeface="Courier New" panose="02070309020205020404" pitchFamily="49" charset="0"/>
               </a:rPr>
               <a:t>NOT</a:t>
             </a:r>
@@ -7072,6 +7145,8 @@
                 <a:highlight>
                   <a:srgbClr val="00FFFF"/>
                 </a:highlight>
+                <a:latin typeface="Courier New" panose="02070309020205020404" pitchFamily="49" charset="0"/>
+                <a:cs typeface="Courier New" panose="02070309020205020404" pitchFamily="49" charset="0"/>
               </a:rPr>
               <a:t>SELECT *</a:t>
             </a:r>
@@ -7080,6 +7155,8 @@
                 <a:highlight>
                   <a:srgbClr val="00FFFF"/>
                 </a:highlight>
+                <a:latin typeface="Courier New" panose="02070309020205020404" pitchFamily="49" charset="0"/>
+                <a:cs typeface="Courier New" panose="02070309020205020404" pitchFamily="49" charset="0"/>
               </a:rPr>
             </a:br>
             <a:r>
@@ -7087,6 +7164,8 @@
                 <a:highlight>
                   <a:srgbClr val="00FFFF"/>
                 </a:highlight>
+                <a:latin typeface="Courier New" panose="02070309020205020404" pitchFamily="49" charset="0"/>
+                <a:cs typeface="Courier New" panose="02070309020205020404" pitchFamily="49" charset="0"/>
               </a:rPr>
               <a:t>FROM category</a:t>
             </a:r>
@@ -7095,6 +7174,8 @@
                 <a:highlight>
                   <a:srgbClr val="00FFFF"/>
                 </a:highlight>
+                <a:latin typeface="Courier New" panose="02070309020205020404" pitchFamily="49" charset="0"/>
+                <a:cs typeface="Courier New" panose="02070309020205020404" pitchFamily="49" charset="0"/>
               </a:rPr>
             </a:br>
             <a:r>
@@ -7102,6 +7183,8 @@
                 <a:highlight>
                   <a:srgbClr val="00FFFF"/>
                 </a:highlight>
+                <a:latin typeface="Courier New" panose="02070309020205020404" pitchFamily="49" charset="0"/>
+                <a:cs typeface="Courier New" panose="02070309020205020404" pitchFamily="49" charset="0"/>
               </a:rPr>
               <a:t>WHERE name NOT IN (‘Action’, ‘Animation’)</a:t>
             </a:r>
@@ -7115,6 +7198,8 @@
                 <a:highlight>
                   <a:srgbClr val="00FFFF"/>
                 </a:highlight>
+                <a:latin typeface="Courier New" panose="02070309020205020404" pitchFamily="49" charset="0"/>
+                <a:cs typeface="Courier New" panose="02070309020205020404" pitchFamily="49" charset="0"/>
               </a:rPr>
               <a:t>SELECT *</a:t>
             </a:r>
@@ -7123,6 +7208,8 @@
                 <a:highlight>
                   <a:srgbClr val="00FFFF"/>
                 </a:highlight>
+                <a:latin typeface="Courier New" panose="02070309020205020404" pitchFamily="49" charset="0"/>
+                <a:cs typeface="Courier New" panose="02070309020205020404" pitchFamily="49" charset="0"/>
               </a:rPr>
             </a:br>
             <a:r>
@@ -7130,6 +7217,8 @@
                 <a:highlight>
                   <a:srgbClr val="00FFFF"/>
                 </a:highlight>
+                <a:latin typeface="Courier New" panose="02070309020205020404" pitchFamily="49" charset="0"/>
+                <a:cs typeface="Courier New" panose="02070309020205020404" pitchFamily="49" charset="0"/>
               </a:rPr>
               <a:t>FROM actor</a:t>
             </a:r>
@@ -7138,6 +7227,8 @@
                 <a:highlight>
                   <a:srgbClr val="00FFFF"/>
                 </a:highlight>
+                <a:latin typeface="Courier New" panose="02070309020205020404" pitchFamily="49" charset="0"/>
+                <a:cs typeface="Courier New" panose="02070309020205020404" pitchFamily="49" charset="0"/>
               </a:rPr>
             </a:br>
             <a:r>
@@ -7145,6 +7236,8 @@
                 <a:highlight>
                   <a:srgbClr val="00FFFF"/>
                 </a:highlight>
+                <a:latin typeface="Courier New" panose="02070309020205020404" pitchFamily="49" charset="0"/>
+                <a:cs typeface="Courier New" panose="02070309020205020404" pitchFamily="49" charset="0"/>
               </a:rPr>
               <a:t>WHERE </a:t>
             </a:r>
@@ -7153,6 +7246,8 @@
                 <a:highlight>
                   <a:srgbClr val="00FFFF"/>
                 </a:highlight>
+                <a:latin typeface="Courier New" panose="02070309020205020404" pitchFamily="49" charset="0"/>
+                <a:cs typeface="Courier New" panose="02070309020205020404" pitchFamily="49" charset="0"/>
               </a:rPr>
               <a:t>last_name</a:t>
             </a:r>
@@ -7161,6 +7256,8 @@
                 <a:highlight>
                   <a:srgbClr val="00FFFF"/>
                 </a:highlight>
+                <a:latin typeface="Courier New" panose="02070309020205020404" pitchFamily="49" charset="0"/>
+                <a:cs typeface="Courier New" panose="02070309020205020404" pitchFamily="49" charset="0"/>
               </a:rPr>
               <a:t> NOT LIKE ‘%SON’</a:t>
             </a:r>
@@ -7244,7 +7341,7 @@
         <p:spPr/>
         <p:txBody>
           <a:bodyPr>
-            <a:normAutofit fontScale="92500" lnSpcReduction="10000"/>
+            <a:normAutofit fontScale="92500" lnSpcReduction="20000"/>
           </a:bodyPr>
           <a:lstStyle/>
           <a:p>
@@ -7268,7 +7365,7 @@
           <a:p>
             <a:r>
               <a:rPr lang="en-GB" dirty="0"/>
-              <a:t>We can link as many statements as we want</a:t>
+              <a:t>We can link as many expressions as we want</a:t>
             </a:r>
           </a:p>
           <a:p>
@@ -7332,6 +7429,8 @@
                 <a:highlight>
                   <a:srgbClr val="00FFFF"/>
                 </a:highlight>
+                <a:latin typeface="Courier New" panose="02070309020205020404" pitchFamily="49" charset="0"/>
+                <a:cs typeface="Courier New" panose="02070309020205020404" pitchFamily="49" charset="0"/>
               </a:rPr>
               <a:t>SELECT *</a:t>
             </a:r>
@@ -7340,6 +7439,8 @@
                 <a:highlight>
                   <a:srgbClr val="00FFFF"/>
                 </a:highlight>
+                <a:latin typeface="Courier New" panose="02070309020205020404" pitchFamily="49" charset="0"/>
+                <a:cs typeface="Courier New" panose="02070309020205020404" pitchFamily="49" charset="0"/>
               </a:rPr>
             </a:br>
             <a:r>
@@ -7347,6 +7448,8 @@
                 <a:highlight>
                   <a:srgbClr val="00FFFF"/>
                 </a:highlight>
+                <a:latin typeface="Courier New" panose="02070309020205020404" pitchFamily="49" charset="0"/>
+                <a:cs typeface="Courier New" panose="02070309020205020404" pitchFamily="49" charset="0"/>
               </a:rPr>
               <a:t>FROM payment</a:t>
             </a:r>
@@ -7355,6 +7458,8 @@
                 <a:highlight>
                   <a:srgbClr val="00FFFF"/>
                 </a:highlight>
+                <a:latin typeface="Courier New" panose="02070309020205020404" pitchFamily="49" charset="0"/>
+                <a:cs typeface="Courier New" panose="02070309020205020404" pitchFamily="49" charset="0"/>
               </a:rPr>
             </a:br>
             <a:r>
@@ -7362,6 +7467,8 @@
                 <a:highlight>
                   <a:srgbClr val="00FFFF"/>
                 </a:highlight>
+                <a:latin typeface="Courier New" panose="02070309020205020404" pitchFamily="49" charset="0"/>
+                <a:cs typeface="Courier New" panose="02070309020205020404" pitchFamily="49" charset="0"/>
               </a:rPr>
               <a:t>WHERE </a:t>
             </a:r>
@@ -7370,6 +7477,8 @@
                 <a:highlight>
                   <a:srgbClr val="00FFFF"/>
                 </a:highlight>
+                <a:latin typeface="Courier New" panose="02070309020205020404" pitchFamily="49" charset="0"/>
+                <a:cs typeface="Courier New" panose="02070309020205020404" pitchFamily="49" charset="0"/>
               </a:rPr>
               <a:t>payment_date</a:t>
             </a:r>
@@ -7378,6 +7487,8 @@
                 <a:highlight>
                   <a:srgbClr val="00FFFF"/>
                 </a:highlight>
+                <a:latin typeface="Courier New" panose="02070309020205020404" pitchFamily="49" charset="0"/>
+                <a:cs typeface="Courier New" panose="02070309020205020404" pitchFamily="49" charset="0"/>
               </a:rPr>
               <a:t> &gt;= '2017-01-25’ AND </a:t>
             </a:r>
@@ -7386,6 +7497,8 @@
                 <a:highlight>
                   <a:srgbClr val="00FFFF"/>
                 </a:highlight>
+                <a:latin typeface="Courier New" panose="02070309020205020404" pitchFamily="49" charset="0"/>
+                <a:cs typeface="Courier New" panose="02070309020205020404" pitchFamily="49" charset="0"/>
               </a:rPr>
               <a:t>payment_date</a:t>
             </a:r>
@@ -7394,6 +7507,8 @@
                 <a:highlight>
                   <a:srgbClr val="00FFFF"/>
                 </a:highlight>
+                <a:latin typeface="Courier New" panose="02070309020205020404" pitchFamily="49" charset="0"/>
+                <a:cs typeface="Courier New" panose="02070309020205020404" pitchFamily="49" charset="0"/>
               </a:rPr>
               <a:t> &lt;= '2017-01-29’</a:t>
             </a:r>
@@ -7411,6 +7526,8 @@
                 <a:highlight>
                   <a:srgbClr val="00FFFF"/>
                 </a:highlight>
+                <a:latin typeface="Courier New" panose="02070309020205020404" pitchFamily="49" charset="0"/>
+                <a:cs typeface="Courier New" panose="02070309020205020404" pitchFamily="49" charset="0"/>
               </a:rPr>
               <a:t>SELECT *</a:t>
             </a:r>
@@ -7419,6 +7536,8 @@
                 <a:highlight>
                   <a:srgbClr val="00FFFF"/>
                 </a:highlight>
+                <a:latin typeface="Courier New" panose="02070309020205020404" pitchFamily="49" charset="0"/>
+                <a:cs typeface="Courier New" panose="02070309020205020404" pitchFamily="49" charset="0"/>
               </a:rPr>
             </a:br>
             <a:r>
@@ -7426,6 +7545,8 @@
                 <a:highlight>
                   <a:srgbClr val="00FFFF"/>
                 </a:highlight>
+                <a:latin typeface="Courier New" panose="02070309020205020404" pitchFamily="49" charset="0"/>
+                <a:cs typeface="Courier New" panose="02070309020205020404" pitchFamily="49" charset="0"/>
               </a:rPr>
               <a:t>FROM payment</a:t>
             </a:r>
@@ -7434,6 +7555,8 @@
                 <a:highlight>
                   <a:srgbClr val="00FFFF"/>
                 </a:highlight>
+                <a:latin typeface="Courier New" panose="02070309020205020404" pitchFamily="49" charset="0"/>
+                <a:cs typeface="Courier New" panose="02070309020205020404" pitchFamily="49" charset="0"/>
               </a:rPr>
             </a:br>
             <a:r>
@@ -7441,6 +7564,8 @@
                 <a:highlight>
                   <a:srgbClr val="00FFFF"/>
                 </a:highlight>
+                <a:latin typeface="Courier New" panose="02070309020205020404" pitchFamily="49" charset="0"/>
+                <a:cs typeface="Courier New" panose="02070309020205020404" pitchFamily="49" charset="0"/>
               </a:rPr>
               <a:t>WHERE </a:t>
             </a:r>
@@ -7449,6 +7574,8 @@
                 <a:highlight>
                   <a:srgbClr val="00FFFF"/>
                 </a:highlight>
+                <a:latin typeface="Courier New" panose="02070309020205020404" pitchFamily="49" charset="0"/>
+                <a:cs typeface="Courier New" panose="02070309020205020404" pitchFamily="49" charset="0"/>
               </a:rPr>
               <a:t>payment_date</a:t>
             </a:r>
@@ -7457,6 +7584,8 @@
                 <a:highlight>
                   <a:srgbClr val="00FFFF"/>
                 </a:highlight>
+                <a:latin typeface="Courier New" panose="02070309020205020404" pitchFamily="49" charset="0"/>
+                <a:cs typeface="Courier New" panose="02070309020205020404" pitchFamily="49" charset="0"/>
               </a:rPr>
               <a:t> &lt; '2017-01-25' AND </a:t>
             </a:r>
@@ -7465,6 +7594,8 @@
                 <a:highlight>
                   <a:srgbClr val="00FFFF"/>
                 </a:highlight>
+                <a:latin typeface="Courier New" panose="02070309020205020404" pitchFamily="49" charset="0"/>
+                <a:cs typeface="Courier New" panose="02070309020205020404" pitchFamily="49" charset="0"/>
               </a:rPr>
               <a:t>staff_id</a:t>
             </a:r>
@@ -7473,6 +7604,8 @@
                 <a:highlight>
                   <a:srgbClr val="00FFFF"/>
                 </a:highlight>
+                <a:latin typeface="Courier New" panose="02070309020205020404" pitchFamily="49" charset="0"/>
+                <a:cs typeface="Courier New" panose="02070309020205020404" pitchFamily="49" charset="0"/>
               </a:rPr>
               <a:t> = 2</a:t>
             </a:r>
@@ -7567,11 +7700,22 @@
                 <a:highlight>
                   <a:srgbClr val="00FFFF"/>
                 </a:highlight>
+                <a:latin typeface="Courier New" panose="02070309020205020404" pitchFamily="49" charset="0"/>
+                <a:cs typeface="Courier New" panose="02070309020205020404" pitchFamily="49" charset="0"/>
               </a:rPr>
               <a:t>BETWEEN</a:t>
             </a:r>
           </a:p>
           <a:p>
+            <a:pPr lvl="1"/>
+            <a:r>
+              <a:rPr lang="en-GB" dirty="0">
+                <a:cs typeface="Courier New" panose="02070309020205020404" pitchFamily="49" charset="0"/>
+              </a:rPr>
+              <a:t>Works with dates, strings and numbers</a:t>
+            </a:r>
+          </a:p>
+          <a:p>
             <a:endParaRPr lang="en-GB" dirty="0"/>
           </a:p>
           <a:p>
@@ -7580,6 +7724,8 @@
                 <a:highlight>
                   <a:srgbClr val="00FFFF"/>
                 </a:highlight>
+                <a:latin typeface="Courier New" panose="02070309020205020404" pitchFamily="49" charset="0"/>
+                <a:cs typeface="Courier New" panose="02070309020205020404" pitchFamily="49" charset="0"/>
               </a:rPr>
               <a:t>SELECT *</a:t>
             </a:r>
@@ -7588,6 +7734,8 @@
                 <a:highlight>
                   <a:srgbClr val="00FFFF"/>
                 </a:highlight>
+                <a:latin typeface="Courier New" panose="02070309020205020404" pitchFamily="49" charset="0"/>
+                <a:cs typeface="Courier New" panose="02070309020205020404" pitchFamily="49" charset="0"/>
               </a:rPr>
             </a:br>
             <a:r>
@@ -7595,6 +7743,8 @@
                 <a:highlight>
                   <a:srgbClr val="00FFFF"/>
                 </a:highlight>
+                <a:latin typeface="Courier New" panose="02070309020205020404" pitchFamily="49" charset="0"/>
+                <a:cs typeface="Courier New" panose="02070309020205020404" pitchFamily="49" charset="0"/>
               </a:rPr>
               <a:t>FROM payment</a:t>
             </a:r>
@@ -7603,6 +7753,8 @@
                 <a:highlight>
                   <a:srgbClr val="00FFFF"/>
                 </a:highlight>
+                <a:latin typeface="Courier New" panose="02070309020205020404" pitchFamily="49" charset="0"/>
+                <a:cs typeface="Courier New" panose="02070309020205020404" pitchFamily="49" charset="0"/>
               </a:rPr>
             </a:br>
             <a:r>
@@ -7610,6 +7762,8 @@
                 <a:highlight>
                   <a:srgbClr val="00FFFF"/>
                 </a:highlight>
+                <a:latin typeface="Courier New" panose="02070309020205020404" pitchFamily="49" charset="0"/>
+                <a:cs typeface="Courier New" panose="02070309020205020404" pitchFamily="49" charset="0"/>
               </a:rPr>
               <a:t>WHERE </a:t>
             </a:r>
@@ -7618,6 +7772,8 @@
                 <a:highlight>
                   <a:srgbClr val="00FFFF"/>
                 </a:highlight>
+                <a:latin typeface="Courier New" panose="02070309020205020404" pitchFamily="49" charset="0"/>
+                <a:cs typeface="Courier New" panose="02070309020205020404" pitchFamily="49" charset="0"/>
               </a:rPr>
               <a:t>payment_date</a:t>
             </a:r>
@@ -7626,6 +7782,8 @@
                 <a:highlight>
                   <a:srgbClr val="00FFFF"/>
                 </a:highlight>
+                <a:latin typeface="Courier New" panose="02070309020205020404" pitchFamily="49" charset="0"/>
+                <a:cs typeface="Courier New" panose="02070309020205020404" pitchFamily="49" charset="0"/>
               </a:rPr>
               <a:t> BETWEEN '2017-01-25’ AND '2017-01-29’</a:t>
             </a:r>
@@ -7723,6 +7881,8 @@
                 <a:highlight>
                   <a:srgbClr val="00FFFF"/>
                 </a:highlight>
+                <a:latin typeface="Courier New" panose="02070309020205020404" pitchFamily="49" charset="0"/>
+                <a:cs typeface="Courier New" panose="02070309020205020404" pitchFamily="49" charset="0"/>
               </a:rPr>
               <a:t>AND</a:t>
             </a:r>
@@ -7735,6 +7895,8 @@
                 <a:highlight>
                   <a:srgbClr val="00FFFF"/>
                 </a:highlight>
+                <a:latin typeface="Courier New" panose="02070309020205020404" pitchFamily="49" charset="0"/>
+                <a:cs typeface="Courier New" panose="02070309020205020404" pitchFamily="49" charset="0"/>
               </a:rPr>
               <a:t>OR</a:t>
             </a:r>
@@ -7747,6 +7909,8 @@
                 <a:highlight>
                   <a:srgbClr val="00FFFF"/>
                 </a:highlight>
+                <a:latin typeface="Courier New" panose="02070309020205020404" pitchFamily="49" charset="0"/>
+                <a:cs typeface="Courier New" panose="02070309020205020404" pitchFamily="49" charset="0"/>
               </a:rPr>
               <a:t>OR</a:t>
             </a:r>
@@ -7759,6 +7923,8 @@
                 <a:highlight>
                   <a:srgbClr val="00FFFF"/>
                 </a:highlight>
+                <a:latin typeface="Courier New" panose="02070309020205020404" pitchFamily="49" charset="0"/>
+                <a:cs typeface="Courier New" panose="02070309020205020404" pitchFamily="49" charset="0"/>
               </a:rPr>
               <a:t>AND</a:t>
             </a:r>
@@ -7776,6 +7942,8 @@
                 <a:highlight>
                   <a:srgbClr val="00FFFF"/>
                 </a:highlight>
+                <a:latin typeface="Courier New" panose="02070309020205020404" pitchFamily="49" charset="0"/>
+                <a:cs typeface="Courier New" panose="02070309020205020404" pitchFamily="49" charset="0"/>
               </a:rPr>
               <a:t>SELECT *</a:t>
             </a:r>
@@ -7784,6 +7952,8 @@
                 <a:highlight>
                   <a:srgbClr val="00FFFF"/>
                 </a:highlight>
+                <a:latin typeface="Courier New" panose="02070309020205020404" pitchFamily="49" charset="0"/>
+                <a:cs typeface="Courier New" panose="02070309020205020404" pitchFamily="49" charset="0"/>
               </a:rPr>
             </a:br>
             <a:r>
@@ -7791,6 +7961,8 @@
                 <a:highlight>
                   <a:srgbClr val="00FFFF"/>
                 </a:highlight>
+                <a:latin typeface="Courier New" panose="02070309020205020404" pitchFamily="49" charset="0"/>
+                <a:cs typeface="Courier New" panose="02070309020205020404" pitchFamily="49" charset="0"/>
               </a:rPr>
               <a:t>FROM film</a:t>
             </a:r>
@@ -7799,6 +7971,8 @@
                 <a:highlight>
                   <a:srgbClr val="00FFFF"/>
                 </a:highlight>
+                <a:latin typeface="Courier New" panose="02070309020205020404" pitchFamily="49" charset="0"/>
+                <a:cs typeface="Courier New" panose="02070309020205020404" pitchFamily="49" charset="0"/>
               </a:rPr>
             </a:br>
             <a:r>
@@ -7806,6 +7980,8 @@
                 <a:highlight>
                   <a:srgbClr val="00FFFF"/>
                 </a:highlight>
+                <a:latin typeface="Courier New" panose="02070309020205020404" pitchFamily="49" charset="0"/>
+                <a:cs typeface="Courier New" panose="02070309020205020404" pitchFamily="49" charset="0"/>
               </a:rPr>
               <a:t>WHERE </a:t>
             </a:r>
@@ -7814,6 +7990,8 @@
                 <a:highlight>
                   <a:srgbClr val="00FFFF"/>
                 </a:highlight>
+                <a:latin typeface="Courier New" panose="02070309020205020404" pitchFamily="49" charset="0"/>
+                <a:cs typeface="Courier New" panose="02070309020205020404" pitchFamily="49" charset="0"/>
               </a:rPr>
               <a:t>rental_duration</a:t>
             </a:r>
@@ -7822,6 +8000,8 @@
                 <a:highlight>
                   <a:srgbClr val="00FFFF"/>
                 </a:highlight>
+                <a:latin typeface="Courier New" panose="02070309020205020404" pitchFamily="49" charset="0"/>
+                <a:cs typeface="Courier New" panose="02070309020205020404" pitchFamily="49" charset="0"/>
               </a:rPr>
               <a:t> &lt; 5 OR length &gt; 120</a:t>
             </a:r>
